--- a/ShiftKey GenAI Presentation.pptx
+++ b/ShiftKey GenAI Presentation.pptx
@@ -4979,7 +4979,7 @@
         <p:spPr>
           <a:xfrm>
             <a:off x="838200" y="1825059"/>
-            <a:ext cx="5415116" cy="1107996"/>
+            <a:ext cx="5415116" cy="2800767"/>
           </a:xfrm>
           <a:prstGeom prst="rect">
             <a:avLst/>
@@ -5016,6 +5016,46 @@
             <a:r>
               <a:rPr lang="en-US" sz="2200" dirty="0"/>
               <a:t>Bring back the voice conversation.</a:t>
+            </a:r>
+          </a:p>
+          <a:p>
+            <a:pPr marL="342900" indent="-342900">
+              <a:buFont typeface="Calibri"/>
+              <a:buChar char="-"/>
+            </a:pPr>
+            <a:endParaRPr lang="en-US" sz="2200" dirty="0"/>
+          </a:p>
+          <a:p>
+            <a:pPr marL="342900" indent="-342900">
+              <a:buFont typeface="Calibri"/>
+              <a:buChar char="-"/>
+            </a:pPr>
+            <a:r>
+              <a:rPr lang="en-US" sz="2200" dirty="0"/>
+              <a:t>Keeps context of the topics.</a:t>
+            </a:r>
+          </a:p>
+          <a:p>
+            <a:pPr marL="342900" indent="-342900">
+              <a:buFont typeface="Calibri"/>
+              <a:buChar char="-"/>
+            </a:pPr>
+            <a:endParaRPr lang="en-US" sz="2200" dirty="0"/>
+          </a:p>
+          <a:p>
+            <a:pPr marL="342900" indent="-342900">
+              <a:buFont typeface="Calibri"/>
+              <a:buChar char="-"/>
+            </a:pPr>
+            <a:r>
+              <a:rPr lang="en-US" sz="2200" dirty="0"/>
+              <a:t>Able to talk from many contexts of</a:t>
+            </a:r>
+          </a:p>
+          <a:p>
+            <a:r>
+              <a:rPr lang="en-US" sz="2200" dirty="0"/>
+              <a:t>work, academics, social interactions. </a:t>
             </a:r>
           </a:p>
         </p:txBody>
@@ -5106,7 +5146,7 @@
         </p:blipFill>
         <p:spPr bwMode="auto">
           <a:xfrm>
-            <a:off x="5963264" y="2041454"/>
+            <a:off x="5973097" y="1690688"/>
             <a:ext cx="5869859" cy="3300267"/>
           </a:xfrm>
           <a:prstGeom prst="rect">
